--- a/docs/Multilabel Classification of Patent Text.pptx
+++ b/docs/Multilabel Classification of Patent Text.pptx
@@ -1394,7 +1394,7 @@
           <a:p>
             <a:fld id="{CD3F9EA3-9E0D-41B7-9D75-123EA74F0ACF}" type="datetimeFigureOut">
               <a:rPr lang="en-US" smtClean="0"/>
-              <a:t>7/27/2019</a:t>
+              <a:t>7/28/2019</a:t>
             </a:fld>
             <a:endParaRPr lang="en-US"/>
           </a:p>
@@ -1562,7 +1562,7 @@
           <a:p>
             <a:fld id="{CD3F9EA3-9E0D-41B7-9D75-123EA74F0ACF}" type="datetimeFigureOut">
               <a:rPr lang="en-US" smtClean="0"/>
-              <a:t>7/27/2019</a:t>
+              <a:t>7/28/2019</a:t>
             </a:fld>
             <a:endParaRPr lang="en-US"/>
           </a:p>
@@ -1740,7 +1740,7 @@
           <a:p>
             <a:fld id="{CD3F9EA3-9E0D-41B7-9D75-123EA74F0ACF}" type="datetimeFigureOut">
               <a:rPr lang="en-US" smtClean="0"/>
-              <a:t>7/27/2019</a:t>
+              <a:t>7/28/2019</a:t>
             </a:fld>
             <a:endParaRPr lang="en-US"/>
           </a:p>
@@ -1962,7 +1962,7 @@
           <a:p>
             <a:fld id="{CD3F9EA3-9E0D-41B7-9D75-123EA74F0ACF}" type="datetimeFigureOut">
               <a:rPr lang="en-US" smtClean="0"/>
-              <a:t>7/27/2019</a:t>
+              <a:t>7/28/2019</a:t>
             </a:fld>
             <a:endParaRPr lang="en-US"/>
           </a:p>
@@ -2217,7 +2217,7 @@
           <a:p>
             <a:fld id="{CD3F9EA3-9E0D-41B7-9D75-123EA74F0ACF}" type="datetimeFigureOut">
               <a:rPr lang="en-US" smtClean="0"/>
-              <a:t>7/27/2019</a:t>
+              <a:t>7/28/2019</a:t>
             </a:fld>
             <a:endParaRPr lang="en-US"/>
           </a:p>
@@ -2502,7 +2502,7 @@
           <a:p>
             <a:fld id="{CD3F9EA3-9E0D-41B7-9D75-123EA74F0ACF}" type="datetimeFigureOut">
               <a:rPr lang="en-US" smtClean="0"/>
-              <a:t>7/27/2019</a:t>
+              <a:t>7/28/2019</a:t>
             </a:fld>
             <a:endParaRPr lang="en-US"/>
           </a:p>
@@ -2921,7 +2921,7 @@
           <a:p>
             <a:fld id="{CD3F9EA3-9E0D-41B7-9D75-123EA74F0ACF}" type="datetimeFigureOut">
               <a:rPr lang="en-US" smtClean="0"/>
-              <a:t>7/27/2019</a:t>
+              <a:t>7/28/2019</a:t>
             </a:fld>
             <a:endParaRPr lang="en-US"/>
           </a:p>
@@ -3038,7 +3038,7 @@
           <a:p>
             <a:fld id="{CD3F9EA3-9E0D-41B7-9D75-123EA74F0ACF}" type="datetimeFigureOut">
               <a:rPr lang="en-US" smtClean="0"/>
-              <a:t>7/27/2019</a:t>
+              <a:t>7/28/2019</a:t>
             </a:fld>
             <a:endParaRPr lang="en-US"/>
           </a:p>
@@ -3133,7 +3133,7 @@
           <a:p>
             <a:fld id="{CD3F9EA3-9E0D-41B7-9D75-123EA74F0ACF}" type="datetimeFigureOut">
               <a:rPr lang="en-US" smtClean="0"/>
-              <a:t>7/27/2019</a:t>
+              <a:t>7/28/2019</a:t>
             </a:fld>
             <a:endParaRPr lang="en-US"/>
           </a:p>
@@ -3408,7 +3408,7 @@
           <a:p>
             <a:fld id="{CD3F9EA3-9E0D-41B7-9D75-123EA74F0ACF}" type="datetimeFigureOut">
               <a:rPr lang="en-US" smtClean="0"/>
-              <a:t>7/27/2019</a:t>
+              <a:t>7/28/2019</a:t>
             </a:fld>
             <a:endParaRPr lang="en-US"/>
           </a:p>
@@ -3660,7 +3660,7 @@
           <a:p>
             <a:fld id="{CD3F9EA3-9E0D-41B7-9D75-123EA74F0ACF}" type="datetimeFigureOut">
               <a:rPr lang="en-US" smtClean="0"/>
-              <a:t>7/27/2019</a:t>
+              <a:t>7/28/2019</a:t>
             </a:fld>
             <a:endParaRPr lang="en-US"/>
           </a:p>
@@ -3880,7 +3880,7 @@
           <a:p>
             <a:fld id="{CD3F9EA3-9E0D-41B7-9D75-123EA74F0ACF}" type="datetimeFigureOut">
               <a:rPr lang="en-US" smtClean="0"/>
-              <a:t>7/27/2019</a:t>
+              <a:t>7/28/2019</a:t>
             </a:fld>
             <a:endParaRPr lang="en-US"/>
           </a:p>
@@ -5230,12 +5230,19 @@
           <a:p>
             <a:pPr algn="ctr">
               <a:spcAft>
-                <a:spcPts val="1200"/>
+                <a:spcPts val="1800"/>
               </a:spcAft>
             </a:pPr>
             <a:r>
               <a:rPr lang="en-US" sz="3600" dirty="0"/>
               <a:t>Michael Bryan</a:t>
+            </a:r>
+          </a:p>
+          <a:p>
+            <a:pPr algn="ctr"/>
+            <a:r>
+              <a:rPr lang="en-US" sz="2800" dirty="0"/>
+              <a:t>https://github.com/michaelbbryan/patentclass</a:t>
             </a:r>
           </a:p>
           <a:p>
@@ -6156,13 +6163,13 @@
           <a:p>
             <a:r>
               <a:rPr lang="en-US" sz="2800" dirty="0"/>
-              <a:t>One or several assigned to each patent</a:t>
+              <a:t>One or several IPCs are assigned to each patent</a:t>
             </a:r>
           </a:p>
           <a:p>
             <a:r>
               <a:rPr lang="en-US" sz="2800" dirty="0"/>
-              <a:t>In the 2018 patens, IPCs were assigned 987,494 times. </a:t>
+              <a:t>6,699 distinct IPCs were assigned 987,494 times</a:t>
             </a:r>
           </a:p>
         </p:txBody>
@@ -6620,7 +6627,7 @@
                 </a:solidFill>
                 <a:latin typeface="Comic Sans MS" panose="030F0702030302020204" pitchFamily="66" charset="0"/>
               </a:rPr>
-              <a:t>The most popular IPC: G06F003</a:t>
+              <a:t>The most frequent 67 IPCs, or 1%, </a:t>
             </a:r>
           </a:p>
           <a:p>
@@ -6636,7 +6643,7 @@
                 </a:solidFill>
                 <a:latin typeface="Comic Sans MS" panose="030F0702030302020204" pitchFamily="66" charset="0"/>
               </a:rPr>
-              <a:t>       is used on 2.1% of all patents!</a:t>
+              <a:t> represent 38.2% of all assignments!</a:t>
             </a:r>
             <a:endParaRPr lang="en-US" sz="2400" dirty="0">
               <a:solidFill>
@@ -6699,34 +6706,97 @@
           </a:bodyPr>
           <a:lstStyle/>
           <a:p>
+            <a:pPr marL="0" indent="0">
+              <a:buNone/>
+            </a:pPr>
             <a:r>
               <a:rPr lang="en-US" sz="2800" dirty="0"/>
-              <a:t>Word Embeddings converts a words to numeric vectors</a:t>
-            </a:r>
-          </a:p>
-          <a:p>
+              <a:t>For a given patent text …</a:t>
+            </a:r>
+          </a:p>
+          <a:p>
+            <a:pPr marL="0" indent="0">
+              <a:spcBef>
+                <a:spcPts val="0"/>
+              </a:spcBef>
+              <a:buNone/>
+            </a:pPr>
             <a:r>
               <a:rPr lang="en-US" sz="2800" dirty="0"/>
-              <a:t>Using the most 100,000 most frequent words</a:t>
-            </a:r>
-          </a:p>
-          <a:p>
+              <a:t>   word embeddings convert the words to numeric vectors</a:t>
+            </a:r>
+          </a:p>
+          <a:p>
+            <a:pPr marL="0" indent="0">
+              <a:spcBef>
+                <a:spcPts val="0"/>
+              </a:spcBef>
+              <a:buNone/>
+            </a:pPr>
             <a:r>
               <a:rPr lang="en-US" sz="2800" dirty="0"/>
-              <a:t>With 300 embedding vector length </a:t>
-            </a:r>
-          </a:p>
-          <a:p>
+              <a:t>      of 300 latent dimensions on 100K frequent words</a:t>
+            </a:r>
+          </a:p>
+          <a:p>
+            <a:pPr marL="0" indent="0">
+              <a:spcBef>
+                <a:spcPts val="0"/>
+              </a:spcBef>
+              <a:buNone/>
+            </a:pPr>
             <a:r>
               <a:rPr lang="en-US" sz="2800" dirty="0"/>
-              <a:t>Gives an input vector of 30 million</a:t>
-            </a:r>
-          </a:p>
-          <a:p>
+              <a:t>        gives an input vector of 30 million</a:t>
+            </a:r>
+          </a:p>
+          <a:p>
+            <a:pPr marL="0" indent="0">
+              <a:spcBef>
+                <a:spcPts val="0"/>
+              </a:spcBef>
+              <a:buNone/>
+            </a:pPr>
             <a:r>
               <a:rPr lang="en-US" sz="2800" dirty="0"/>
-              <a:t>To a neural network reduces the </a:t>
-            </a:r>
+              <a:t>           to a neural network with a custom loss function </a:t>
+            </a:r>
+          </a:p>
+          <a:p>
+            <a:pPr marL="0" indent="0">
+              <a:spcBef>
+                <a:spcPts val="0"/>
+              </a:spcBef>
+              <a:buNone/>
+            </a:pPr>
+            <a:r>
+              <a:rPr lang="en-US" sz="2800" dirty="0"/>
+              <a:t>             which generates a vector of IPC probabilities.</a:t>
+            </a:r>
+          </a:p>
+          <a:p>
+            <a:endParaRPr lang="en-US" sz="2800" dirty="0"/>
+          </a:p>
+          <a:p>
+            <a:endParaRPr lang="en-US" sz="2800" dirty="0"/>
+          </a:p>
+          <a:p>
+            <a:endParaRPr lang="en-US" sz="2800" dirty="0"/>
+          </a:p>
+          <a:p>
+            <a:endParaRPr lang="en-US" sz="2800" dirty="0"/>
+          </a:p>
+          <a:p>
+            <a:pPr marL="0" indent="0">
+              <a:buNone/>
+            </a:pPr>
+            <a:r>
+              <a:rPr lang="en-US" sz="2800" dirty="0"/>
+              <a:t>Detail and references are available in the study report.</a:t>
+            </a:r>
+          </a:p>
+          <a:p>
+            <a:endParaRPr lang="en-US" sz="2800" dirty="0"/>
           </a:p>
           <a:p>
             <a:pPr marL="0" indent="0">
@@ -6772,6 +6842,147 @@
               </a:rPr>
               <a:t>Predictability</a:t>
             </a:r>
+          </a:p>
+        </p:txBody>
+      </p:sp>
+      <p:sp>
+        <p:nvSpPr>
+          <p:cNvPr id="5" name="Text Box 2">
+            <a:extLst>
+              <a:ext uri="{FF2B5EF4-FFF2-40B4-BE49-F238E27FC236}">
+                <a16:creationId xmlns:a16="http://schemas.microsoft.com/office/drawing/2014/main" id="{D2FC41C8-CD30-425A-A802-CE254C7EAA39}"/>
+              </a:ext>
+            </a:extLst>
+          </p:cNvPr>
+          <p:cNvSpPr txBox="1">
+            <a:spLocks noChangeArrowheads="1"/>
+          </p:cNvSpPr>
+          <p:nvPr/>
+        </p:nvSpPr>
+        <p:spPr bwMode="auto">
+          <a:xfrm>
+            <a:off x="1447800" y="3962400"/>
+            <a:ext cx="6781800" cy="1572491"/>
+          </a:xfrm>
+          <a:prstGeom prst="rect">
+            <a:avLst/>
+          </a:prstGeom>
+          <a:solidFill>
+            <a:schemeClr val="bg1">
+              <a:lumMod val="95000"/>
+            </a:schemeClr>
+          </a:solidFill>
+          <a:ln w="9525">
+            <a:noFill/>
+            <a:miter lim="800000"/>
+            <a:headEnd/>
+            <a:tailEnd/>
+          </a:ln>
+          <a:effectLst>
+            <a:outerShdw blurRad="50800" dist="38100" dir="2700000" algn="tl" rotWithShape="0">
+              <a:prstClr val="black">
+                <a:alpha val="40000"/>
+              </a:prstClr>
+            </a:outerShdw>
+          </a:effectLst>
+        </p:spPr>
+        <p:txBody>
+          <a:bodyPr rot="0" vert="horz" wrap="square" lIns="91440" tIns="45720" rIns="91440" bIns="45720" anchor="t" anchorCtr="0">
+            <a:noAutofit/>
+          </a:bodyPr>
+          <a:lstStyle/>
+          <a:p>
+            <a:pPr marL="0" marR="0">
+              <a:lnSpc>
+                <a:spcPct val="107000"/>
+              </a:lnSpc>
+              <a:spcBef>
+                <a:spcPts val="0"/>
+              </a:spcBef>
+              <a:spcAft>
+                <a:spcPts val="600"/>
+              </a:spcAft>
+            </a:pPr>
+            <a:r>
+              <a:rPr lang="en-US" sz="1100" dirty="0">
+                <a:effectLst/>
+                <a:latin typeface="Arial" panose="020B0604020202020204" pitchFamily="34" charset="0"/>
+                <a:ea typeface="Calibri" panose="020F0502020204030204" pitchFamily="34" charset="0"/>
+                <a:cs typeface="Times New Roman" panose="02020603050405020304" pitchFamily="18" charset="0"/>
+              </a:rPr>
+              <a:t>	</a:t>
+            </a:r>
+          </a:p>
+          <a:p>
+            <a:pPr marL="0" marR="0">
+              <a:lnSpc>
+                <a:spcPct val="107000"/>
+              </a:lnSpc>
+              <a:spcBef>
+                <a:spcPts val="0"/>
+              </a:spcBef>
+              <a:spcAft>
+                <a:spcPts val="600"/>
+              </a:spcAft>
+            </a:pPr>
+            <a:r>
+              <a:rPr lang="en-US" dirty="0">
+                <a:latin typeface="Arial" panose="020B0604020202020204" pitchFamily="34" charset="0"/>
+                <a:ea typeface="Calibri" panose="020F0502020204030204" pitchFamily="34" charset="0"/>
+                <a:cs typeface="Times New Roman" panose="02020603050405020304" pitchFamily="18" charset="0"/>
+              </a:rPr>
+              <a:t>     Trained  152,245 patent texts with 475,405 IPC assignments</a:t>
+            </a:r>
+          </a:p>
+          <a:p>
+            <a:pPr>
+              <a:lnSpc>
+                <a:spcPct val="107000"/>
+              </a:lnSpc>
+              <a:spcAft>
+                <a:spcPts val="600"/>
+              </a:spcAft>
+            </a:pPr>
+            <a:r>
+              <a:rPr lang="en-US" dirty="0">
+                <a:latin typeface="Arial" panose="020B0604020202020204" pitchFamily="34" charset="0"/>
+                <a:ea typeface="Calibri" panose="020F0502020204030204" pitchFamily="34" charset="0"/>
+                <a:cs typeface="Times New Roman" panose="02020603050405020304" pitchFamily="18" charset="0"/>
+              </a:rPr>
+              <a:t>  Validated  152,246 patent texts with 461,890 IPC assignments</a:t>
+            </a:r>
+          </a:p>
+          <a:p>
+            <a:pPr>
+              <a:lnSpc>
+                <a:spcPct val="107000"/>
+              </a:lnSpc>
+              <a:spcAft>
+                <a:spcPts val="600"/>
+              </a:spcAft>
+            </a:pPr>
+            <a:r>
+              <a:rPr lang="en-US" dirty="0">
+                <a:latin typeface="Arial" panose="020B0604020202020204" pitchFamily="34" charset="0"/>
+                <a:ea typeface="Calibri" panose="020F0502020204030204" pitchFamily="34" charset="0"/>
+                <a:cs typeface="Times New Roman" panose="02020603050405020304" pitchFamily="18" charset="0"/>
+              </a:rPr>
+              <a:t>  Predicted  208,966 assignments correctly or </a:t>
+            </a:r>
+            <a:r>
+              <a:rPr lang="en-US" b="1" dirty="0">
+                <a:latin typeface="Arial" panose="020B0604020202020204" pitchFamily="34" charset="0"/>
+                <a:ea typeface="Calibri" panose="020F0502020204030204" pitchFamily="34" charset="0"/>
+                <a:cs typeface="Times New Roman" panose="02020603050405020304" pitchFamily="18" charset="0"/>
+              </a:rPr>
+              <a:t>45.24%</a:t>
+            </a:r>
+            <a:endParaRPr lang="en-US" b="1" dirty="0">
+              <a:effectLst/>
+              <a:latin typeface="Arial" panose="020B0604020202020204" pitchFamily="34" charset="0"/>
+              <a:ea typeface="Calibri" panose="020F0502020204030204" pitchFamily="34" charset="0"/>
+              <a:cs typeface="Times New Roman" panose="02020603050405020304" pitchFamily="18" charset="0"/>
+            </a:endParaRPr>
           </a:p>
         </p:txBody>
       </p:sp>
